--- a/ppt 모음/CPython2.pptx
+++ b/ppt 모음/CPython2.pptx
@@ -274,7 +274,7 @@
           <a:p>
             <a:fld id="{57764B8E-7EC0-4B59-8DA5-E04CAE3DB5F2}" type="datetimeFigureOut">
               <a:rPr lang="ko-KR" altLang="en-US" smtClean="0"/>
-              <a:t>2023-03-19</a:t>
+              <a:t>2023-03-20</a:t>
             </a:fld>
             <a:endParaRPr lang="ko-KR" altLang="en-US"/>
           </a:p>
